--- a/subjects/TPI/ćwiczenia nr 1 - TPI.pptx
+++ b/subjects/TPI/ćwiczenia nr 1 - TPI.pptx
@@ -2841,6 +2841,30 @@
       </pc:sldChg>
     </pc:docChg>
   </pc:docChgLst>
+  <pc:docChgLst>
+    <pc:chgData name="Serafin Patryk" userId="ce8cf8d3-b140-43f7-9541-10745587815e" providerId="ADAL" clId="{F9EB9E24-E79C-4883-8C9C-6C41B931EE22}"/>
+    <pc:docChg chg="modSld">
+      <pc:chgData name="Serafin Patryk" userId="ce8cf8d3-b140-43f7-9541-10745587815e" providerId="ADAL" clId="{F9EB9E24-E79C-4883-8C9C-6C41B931EE22}" dt="2024-03-15T10:08:01.182" v="7" actId="20577"/>
+      <pc:docMkLst>
+        <pc:docMk/>
+      </pc:docMkLst>
+      <pc:sldChg chg="modSp mod">
+        <pc:chgData name="Serafin Patryk" userId="ce8cf8d3-b140-43f7-9541-10745587815e" providerId="ADAL" clId="{F9EB9E24-E79C-4883-8C9C-6C41B931EE22}" dt="2024-03-15T10:08:01.182" v="7" actId="20577"/>
+        <pc:sldMkLst>
+          <pc:docMk/>
+          <pc:sldMk cId="527867234" sldId="256"/>
+        </pc:sldMkLst>
+        <pc:spChg chg="mod">
+          <ac:chgData name="Serafin Patryk" userId="ce8cf8d3-b140-43f7-9541-10745587815e" providerId="ADAL" clId="{F9EB9E24-E79C-4883-8C9C-6C41B931EE22}" dt="2024-03-15T10:08:01.182" v="7" actId="20577"/>
+          <ac:spMkLst>
+            <pc:docMk/>
+            <pc:sldMk cId="527867234" sldId="256"/>
+            <ac:spMk id="3" creationId="{2DF877C1-FFB8-EE3A-7589-AD1D4A371B66}"/>
+          </ac:spMkLst>
+        </pc:spChg>
+      </pc:sldChg>
+    </pc:docChg>
+  </pc:docChgLst>
 </pc:chgInfo>
 </file>
 
@@ -3027,7 +3051,7 @@
           <a:p>
             <a:fld id="{02AC24A9-CCB6-4F8D-B8DB-C2F3692CFA5A}" type="datetimeFigureOut">
               <a:rPr lang="en-US" smtClean="0"/>
-              <a:t>1/17/2024</a:t>
+              <a:t>3/15/2024</a:t>
             </a:fld>
             <a:endParaRPr lang="en-US" dirty="0"/>
           </a:p>
@@ -3397,7 +3421,7 @@
           <a:p>
             <a:fld id="{02AC24A9-CCB6-4F8D-B8DB-C2F3692CFA5A}" type="datetimeFigureOut">
               <a:rPr lang="en-US" smtClean="0"/>
-              <a:t>1/17/2024</a:t>
+              <a:t>3/15/2024</a:t>
             </a:fld>
             <a:endParaRPr lang="en-US"/>
           </a:p>
@@ -3606,7 +3630,7 @@
           <a:p>
             <a:fld id="{02AC24A9-CCB6-4F8D-B8DB-C2F3692CFA5A}" type="datetimeFigureOut">
               <a:rPr lang="en-US" smtClean="0"/>
-              <a:t>1/17/2024</a:t>
+              <a:t>3/15/2024</a:t>
             </a:fld>
             <a:endParaRPr lang="en-US"/>
           </a:p>
@@ -4076,7 +4100,7 @@
           <a:p>
             <a:fld id="{02AC24A9-CCB6-4F8D-B8DB-C2F3692CFA5A}" type="datetimeFigureOut">
               <a:rPr lang="en-US" smtClean="0"/>
-              <a:t>1/17/2024</a:t>
+              <a:t>3/15/2024</a:t>
             </a:fld>
             <a:endParaRPr lang="en-US"/>
           </a:p>
@@ -4530,7 +4554,7 @@
           <a:p>
             <a:fld id="{02AC24A9-CCB6-4F8D-B8DB-C2F3692CFA5A}" type="datetimeFigureOut">
               <a:rPr lang="en-US" smtClean="0"/>
-              <a:t>1/17/2024</a:t>
+              <a:t>3/15/2024</a:t>
             </a:fld>
             <a:endParaRPr lang="en-US"/>
           </a:p>
@@ -5062,7 +5086,7 @@
           <a:p>
             <a:fld id="{02AC24A9-CCB6-4F8D-B8DB-C2F3692CFA5A}" type="datetimeFigureOut">
               <a:rPr lang="en-US" smtClean="0"/>
-              <a:t>1/17/2024</a:t>
+              <a:t>3/15/2024</a:t>
             </a:fld>
             <a:endParaRPr lang="en-US"/>
           </a:p>
@@ -5761,7 +5785,7 @@
           <a:p>
             <a:fld id="{02AC24A9-CCB6-4F8D-B8DB-C2F3692CFA5A}" type="datetimeFigureOut">
               <a:rPr lang="en-US" smtClean="0"/>
-              <a:t>1/17/2024</a:t>
+              <a:t>3/15/2024</a:t>
             </a:fld>
             <a:endParaRPr lang="en-US"/>
           </a:p>
@@ -6090,7 +6114,7 @@
           <a:p>
             <a:fld id="{02AC24A9-CCB6-4F8D-B8DB-C2F3692CFA5A}" type="datetimeFigureOut">
               <a:rPr lang="en-US" smtClean="0"/>
-              <a:t>1/17/2024</a:t>
+              <a:t>3/15/2024</a:t>
             </a:fld>
             <a:endParaRPr lang="en-US"/>
           </a:p>
@@ -6203,7 +6227,7 @@
           <a:p>
             <a:fld id="{02AC24A9-CCB6-4F8D-B8DB-C2F3692CFA5A}" type="datetimeFigureOut">
               <a:rPr lang="en-US" smtClean="0"/>
-              <a:t>1/17/2024</a:t>
+              <a:t>3/15/2024</a:t>
             </a:fld>
             <a:endParaRPr lang="en-US"/>
           </a:p>
@@ -6698,7 +6722,7 @@
           <a:p>
             <a:fld id="{02AC24A9-CCB6-4F8D-B8DB-C2F3692CFA5A}" type="datetimeFigureOut">
               <a:rPr lang="en-US" smtClean="0"/>
-              <a:t>1/17/2024</a:t>
+              <a:t>3/15/2024</a:t>
             </a:fld>
             <a:endParaRPr lang="en-US" dirty="0"/>
           </a:p>
@@ -7175,7 +7199,7 @@
           <a:p>
             <a:fld id="{02AC24A9-CCB6-4F8D-B8DB-C2F3692CFA5A}" type="datetimeFigureOut">
               <a:rPr lang="en-US" smtClean="0"/>
-              <a:t>1/17/2024</a:t>
+              <a:t>3/15/2024</a:t>
             </a:fld>
             <a:endParaRPr lang="en-US"/>
           </a:p>
@@ -7418,7 +7442,7 @@
           <a:p>
             <a:fld id="{02AC24A9-CCB6-4F8D-B8DB-C2F3692CFA5A}" type="datetimeFigureOut">
               <a:rPr lang="en-US" smtClean="0"/>
-              <a:t>1/17/2024</a:t>
+              <a:t>3/15/2024</a:t>
             </a:fld>
             <a:endParaRPr lang="en-US"/>
           </a:p>
@@ -8533,16 +8557,12 @@
               <a:t>.</a:t>
             </a:r>
             <a:r>
-              <a:rPr lang="pl-PL" sz="2400"/>
+              <a:rPr lang="pl-PL" sz="2400" dirty="0"/>
               <a:t>serafin</a:t>
             </a:r>
             <a:r>
-              <a:rPr lang="en-US" sz="2400"/>
-              <a:t>@</a:t>
-            </a:r>
-            <a:r>
               <a:rPr lang="en-US" sz="2400" dirty="0"/>
-              <a:t>wat.edu.pl</a:t>
+              <a:t>@wat.edu.pl</a:t>
             </a:r>
           </a:p>
           <a:p>
@@ -8591,8 +8611,8 @@
               <a:buChar char="•"/>
             </a:pPr>
             <a:r>
-              <a:rPr lang="en-US" sz="1600" dirty="0" err="1"/>
-              <a:t>wtorek</a:t>
+              <a:rPr lang="pl-PL" sz="1600" dirty="0"/>
+              <a:t>czwartek</a:t>
             </a:r>
             <a:r>
               <a:rPr lang="en-US" sz="1600" dirty="0"/>
